--- a/ppt/김유석 포트폴리오3.pptx
+++ b/ppt/김유석 포트폴리오3.pptx
@@ -240,7 +240,7 @@
           <a:p>
             <a:fld id="{5D3C7D45-EBA1-45BD-853C-4CFD30122036}" type="datetimeFigureOut">
               <a:rPr lang="ko-KR" altLang="en-US" smtClean="0"/>
-              <a:t>2024-11-21</a:t>
+              <a:t>2024-11-23</a:t>
             </a:fld>
             <a:endParaRPr lang="ko-KR" altLang="en-US"/>
           </a:p>
@@ -410,7 +410,7 @@
           <a:p>
             <a:fld id="{5D3C7D45-EBA1-45BD-853C-4CFD30122036}" type="datetimeFigureOut">
               <a:rPr lang="ko-KR" altLang="en-US" smtClean="0"/>
-              <a:t>2024-11-21</a:t>
+              <a:t>2024-11-23</a:t>
             </a:fld>
             <a:endParaRPr lang="ko-KR" altLang="en-US"/>
           </a:p>
@@ -590,7 +590,7 @@
           <a:p>
             <a:fld id="{5D3C7D45-EBA1-45BD-853C-4CFD30122036}" type="datetimeFigureOut">
               <a:rPr lang="ko-KR" altLang="en-US" smtClean="0"/>
-              <a:t>2024-11-21</a:t>
+              <a:t>2024-11-23</a:t>
             </a:fld>
             <a:endParaRPr lang="ko-KR" altLang="en-US"/>
           </a:p>
@@ -760,7 +760,7 @@
           <a:p>
             <a:fld id="{5D3C7D45-EBA1-45BD-853C-4CFD30122036}" type="datetimeFigureOut">
               <a:rPr lang="ko-KR" altLang="en-US" smtClean="0"/>
-              <a:t>2024-11-21</a:t>
+              <a:t>2024-11-23</a:t>
             </a:fld>
             <a:endParaRPr lang="ko-KR" altLang="en-US"/>
           </a:p>
@@ -1004,7 +1004,7 @@
           <a:p>
             <a:fld id="{5D3C7D45-EBA1-45BD-853C-4CFD30122036}" type="datetimeFigureOut">
               <a:rPr lang="ko-KR" altLang="en-US" smtClean="0"/>
-              <a:t>2024-11-21</a:t>
+              <a:t>2024-11-23</a:t>
             </a:fld>
             <a:endParaRPr lang="ko-KR" altLang="en-US"/>
           </a:p>
@@ -1236,7 +1236,7 @@
           <a:p>
             <a:fld id="{5D3C7D45-EBA1-45BD-853C-4CFD30122036}" type="datetimeFigureOut">
               <a:rPr lang="ko-KR" altLang="en-US" smtClean="0"/>
-              <a:t>2024-11-21</a:t>
+              <a:t>2024-11-23</a:t>
             </a:fld>
             <a:endParaRPr lang="ko-KR" altLang="en-US"/>
           </a:p>
@@ -1603,7 +1603,7 @@
           <a:p>
             <a:fld id="{5D3C7D45-EBA1-45BD-853C-4CFD30122036}" type="datetimeFigureOut">
               <a:rPr lang="ko-KR" altLang="en-US" smtClean="0"/>
-              <a:t>2024-11-21</a:t>
+              <a:t>2024-11-23</a:t>
             </a:fld>
             <a:endParaRPr lang="ko-KR" altLang="en-US"/>
           </a:p>
@@ -1721,7 +1721,7 @@
           <a:p>
             <a:fld id="{5D3C7D45-EBA1-45BD-853C-4CFD30122036}" type="datetimeFigureOut">
               <a:rPr lang="ko-KR" altLang="en-US" smtClean="0"/>
-              <a:t>2024-11-21</a:t>
+              <a:t>2024-11-23</a:t>
             </a:fld>
             <a:endParaRPr lang="ko-KR" altLang="en-US"/>
           </a:p>
@@ -1816,7 +1816,7 @@
           <a:p>
             <a:fld id="{5D3C7D45-EBA1-45BD-853C-4CFD30122036}" type="datetimeFigureOut">
               <a:rPr lang="ko-KR" altLang="en-US" smtClean="0"/>
-              <a:t>2024-11-21</a:t>
+              <a:t>2024-11-23</a:t>
             </a:fld>
             <a:endParaRPr lang="ko-KR" altLang="en-US"/>
           </a:p>
@@ -2093,7 +2093,7 @@
           <a:p>
             <a:fld id="{5D3C7D45-EBA1-45BD-853C-4CFD30122036}" type="datetimeFigureOut">
               <a:rPr lang="ko-KR" altLang="en-US" smtClean="0"/>
-              <a:t>2024-11-21</a:t>
+              <a:t>2024-11-23</a:t>
             </a:fld>
             <a:endParaRPr lang="ko-KR" altLang="en-US"/>
           </a:p>
@@ -2350,7 +2350,7 @@
           <a:p>
             <a:fld id="{5D3C7D45-EBA1-45BD-853C-4CFD30122036}" type="datetimeFigureOut">
               <a:rPr lang="ko-KR" altLang="en-US" smtClean="0"/>
-              <a:t>2024-11-21</a:t>
+              <a:t>2024-11-23</a:t>
             </a:fld>
             <a:endParaRPr lang="ko-KR" altLang="en-US"/>
           </a:p>
@@ -2563,7 +2563,7 @@
           <a:p>
             <a:fld id="{5D3C7D45-EBA1-45BD-853C-4CFD30122036}" type="datetimeFigureOut">
               <a:rPr lang="ko-KR" altLang="en-US" smtClean="0"/>
-              <a:t>2024-11-21</a:t>
+              <a:t>2024-11-23</a:t>
             </a:fld>
             <a:endParaRPr lang="ko-KR" altLang="en-US"/>
           </a:p>
@@ -3226,8 +3226,8 @@
         </p:blipFill>
         <p:spPr>
           <a:xfrm>
-            <a:off x="5873902" y="616153"/>
-            <a:ext cx="647395" cy="863194"/>
+            <a:off x="5050593" y="546302"/>
+            <a:ext cx="1096584" cy="1462113"/>
           </a:xfrm>
           <a:prstGeom prst="rect">
             <a:avLst/>
@@ -3242,8 +3242,8 @@
         </p:nvSpPr>
         <p:spPr>
           <a:xfrm>
-            <a:off x="654050" y="461584"/>
-            <a:ext cx="3505200" cy="1077218"/>
+            <a:off x="660400" y="366719"/>
+            <a:ext cx="3185885" cy="1384995"/>
           </a:xfrm>
           <a:prstGeom prst="rect">
             <a:avLst/>
@@ -3257,48 +3257,86 @@
           <a:lstStyle/>
           <a:p>
             <a:r>
-              <a:rPr lang="en-US" altLang="ko-KR" sz="3200" dirty="0" smtClean="0">
-                <a:solidFill>
-                  <a:srgbClr val="2274EC"/>
-                </a:solidFill>
-                <a:latin typeface="G마켓 산스 TTF Bold" panose="02000000000000000000" pitchFamily="2" charset="-127"/>
-                <a:ea typeface="G마켓 산스 TTF Bold" panose="02000000000000000000" pitchFamily="2" charset="-127"/>
-              </a:rPr>
-              <a:t/>
-            </a:r>
-            <a:br>
-              <a:rPr lang="en-US" altLang="ko-KR" sz="3200" dirty="0" smtClean="0">
-                <a:solidFill>
-                  <a:srgbClr val="2274EC"/>
-                </a:solidFill>
-                <a:latin typeface="G마켓 산스 TTF Bold" panose="02000000000000000000" pitchFamily="2" charset="-127"/>
-                <a:ea typeface="G마켓 산스 TTF Bold" panose="02000000000000000000" pitchFamily="2" charset="-127"/>
-              </a:rPr>
-            </a:br>
-            <a:r>
-              <a:rPr lang="ko-KR" altLang="en-US" sz="3200" dirty="0" smtClean="0">
-                <a:solidFill>
-                  <a:srgbClr val="2274EC"/>
-                </a:solidFill>
-                <a:latin typeface="G마켓 산스 TTF Bold" panose="02000000000000000000" pitchFamily="2" charset="-127"/>
-                <a:ea typeface="G마켓 산스 TTF Bold" panose="02000000000000000000" pitchFamily="2" charset="-127"/>
-              </a:rPr>
-              <a:t>김유석 입니다</a:t>
-            </a:r>
-            <a:r>
-              <a:rPr lang="en-US" altLang="ko-KR" sz="3200" dirty="0" smtClean="0">
-                <a:solidFill>
-                  <a:srgbClr val="2274EC"/>
-                </a:solidFill>
-                <a:latin typeface="G마켓 산스 TTF Bold" panose="02000000000000000000" pitchFamily="2" charset="-127"/>
-                <a:ea typeface="G마켓 산스 TTF Bold" panose="02000000000000000000" pitchFamily="2" charset="-127"/>
-              </a:rPr>
-              <a:t>.</a:t>
-            </a:r>
-            <a:endParaRPr lang="ko-KR" altLang="en-US" sz="3200" dirty="0">
+              <a:rPr lang="ko-KR" altLang="en-US" sz="2000" dirty="0" smtClean="0">
+                <a:latin typeface="G마켓 산스 TTF Bold" panose="02000000000000000000" pitchFamily="2" charset="-127"/>
+                <a:ea typeface="G마켓 산스 TTF Bold" panose="02000000000000000000" pitchFamily="2" charset="-127"/>
+              </a:rPr>
+              <a:t>물류 </a:t>
+            </a:r>
+            <a:r>
+              <a:rPr lang="ko-KR" altLang="en-US" sz="2000" dirty="0">
+                <a:latin typeface="G마켓 산스 TTF Bold" panose="02000000000000000000" pitchFamily="2" charset="-127"/>
+                <a:ea typeface="G마켓 산스 TTF Bold" panose="02000000000000000000" pitchFamily="2" charset="-127"/>
+              </a:rPr>
+              <a:t>관리자에서 </a:t>
+            </a:r>
+            <a:r>
+              <a:rPr lang="ko-KR" altLang="en-US" sz="2000" dirty="0" smtClean="0">
+                <a:latin typeface="G마켓 산스 TTF Bold" panose="02000000000000000000" pitchFamily="2" charset="-127"/>
+                <a:ea typeface="G마켓 산스 TTF Bold" panose="02000000000000000000" pitchFamily="2" charset="-127"/>
+              </a:rPr>
+              <a:t>개발자로</a:t>
+            </a:r>
+            <a:endParaRPr lang="en-US" altLang="ko-KR" sz="3200" dirty="0" smtClean="0">
               <a:solidFill>
                 <a:srgbClr val="2274EC"/>
               </a:solidFill>
+              <a:latin typeface="G마켓 산스 TTF Bold" panose="02000000000000000000" pitchFamily="2" charset="-127"/>
+              <a:ea typeface="G마켓 산스 TTF Bold" panose="02000000000000000000" pitchFamily="2" charset="-127"/>
+            </a:endParaRPr>
+          </a:p>
+          <a:p>
+            <a:r>
+              <a:rPr lang="en-US" altLang="ko-KR" sz="3200" dirty="0" smtClean="0">
+                <a:solidFill>
+                  <a:srgbClr val="2274EC"/>
+                </a:solidFill>
+                <a:latin typeface="G마켓 산스 TTF Bold" panose="02000000000000000000" pitchFamily="2" charset="-127"/>
+                <a:ea typeface="G마켓 산스 TTF Bold" panose="02000000000000000000" pitchFamily="2" charset="-127"/>
+              </a:rPr>
+              <a:t>SCM </a:t>
+            </a:r>
+            <a:r>
+              <a:rPr lang="ko-KR" altLang="en-US" sz="3200" dirty="0" smtClean="0">
+                <a:solidFill>
+                  <a:srgbClr val="2274EC"/>
+                </a:solidFill>
+                <a:latin typeface="G마켓 산스 TTF Bold" panose="02000000000000000000" pitchFamily="2" charset="-127"/>
+                <a:ea typeface="G마켓 산스 TTF Bold" panose="02000000000000000000" pitchFamily="2" charset="-127"/>
+              </a:rPr>
+              <a:t>개발자 </a:t>
+            </a:r>
+            <a:endParaRPr lang="en-US" altLang="ko-KR" sz="3200" dirty="0" smtClean="0">
+              <a:solidFill>
+                <a:srgbClr val="2274EC"/>
+              </a:solidFill>
+              <a:latin typeface="G마켓 산스 TTF Bold" panose="02000000000000000000" pitchFamily="2" charset="-127"/>
+              <a:ea typeface="G마켓 산스 TTF Bold" panose="02000000000000000000" pitchFamily="2" charset="-127"/>
+            </a:endParaRPr>
+          </a:p>
+          <a:p>
+            <a:r>
+              <a:rPr lang="ko-KR" altLang="en-US" sz="3200" dirty="0" smtClean="0">
+                <a:latin typeface="G마켓 산스 TTF Bold" panose="02000000000000000000" pitchFamily="2" charset="-127"/>
+                <a:ea typeface="G마켓 산스 TTF Bold" panose="02000000000000000000" pitchFamily="2" charset="-127"/>
+              </a:rPr>
+              <a:t>김유석</a:t>
+            </a:r>
+            <a:r>
+              <a:rPr lang="ko-KR" altLang="en-US" sz="2000" dirty="0" smtClean="0">
+                <a:latin typeface="G마켓 산스 TTF Bold" panose="02000000000000000000" pitchFamily="2" charset="-127"/>
+                <a:ea typeface="G마켓 산스 TTF Bold" panose="02000000000000000000" pitchFamily="2" charset="-127"/>
+              </a:rPr>
+              <a:t>입니다</a:t>
+            </a:r>
+            <a:r>
+              <a:rPr lang="en-US" altLang="ko-KR" sz="2000" dirty="0" smtClean="0">
+                <a:latin typeface="G마켓 산스 TTF Bold" panose="02000000000000000000" pitchFamily="2" charset="-127"/>
+                <a:ea typeface="G마켓 산스 TTF Bold" panose="02000000000000000000" pitchFamily="2" charset="-127"/>
+              </a:rPr>
+              <a:t>.</a:t>
+            </a:r>
+            <a:endParaRPr lang="ko-KR" altLang="en-US" sz="3200" dirty="0">
               <a:latin typeface="G마켓 산스 TTF Bold" panose="02000000000000000000" pitchFamily="2" charset="-127"/>
               <a:ea typeface="G마켓 산스 TTF Bold" panose="02000000000000000000" pitchFamily="2" charset="-127"/>
             </a:endParaRPr>
@@ -3350,7 +3388,7 @@
         </p:nvCxnSpPr>
         <p:spPr>
           <a:xfrm>
-            <a:off x="609600" y="3411754"/>
+            <a:off x="655684" y="4204144"/>
             <a:ext cx="5492750" cy="0"/>
           </a:xfrm>
           <a:prstGeom prst="line">
@@ -3387,8 +3425,8 @@
         </p:nvSpPr>
         <p:spPr>
           <a:xfrm>
-            <a:off x="638630" y="2334124"/>
-            <a:ext cx="3505200" cy="584775"/>
+            <a:off x="609599" y="2270592"/>
+            <a:ext cx="4702629" cy="1769715"/>
           </a:xfrm>
           <a:prstGeom prst="rect">
             <a:avLst/>
@@ -3402,60 +3440,252 @@
           <a:lstStyle/>
           <a:p>
             <a:r>
-              <a:rPr lang="ko-KR" altLang="en-US" sz="3200" dirty="0" smtClean="0">
+              <a:rPr lang="ko-KR" altLang="en-US" dirty="0" smtClean="0">
                 <a:solidFill>
                   <a:srgbClr val="2274EC"/>
                 </a:solidFill>
                 <a:latin typeface="G마켓 산스 TTF Bold" panose="02000000000000000000" pitchFamily="2" charset="-127"/>
                 <a:ea typeface="G마켓 산스 TTF Bold" panose="02000000000000000000" pitchFamily="2" charset="-127"/>
               </a:rPr>
-              <a:t>설명</a:t>
-            </a:r>
-            <a:endParaRPr lang="ko-KR" altLang="en-US" sz="3200" dirty="0">
+              <a:t>김유석 </a:t>
+            </a:r>
+            <a:r>
+              <a:rPr lang="en-US" altLang="ko-KR" dirty="0" smtClean="0">
+                <a:solidFill>
+                  <a:srgbClr val="2274EC"/>
+                </a:solidFill>
+                <a:latin typeface="G마켓 산스 TTF Bold" panose="02000000000000000000" pitchFamily="2" charset="-127"/>
+                <a:ea typeface="G마켓 산스 TTF Bold" panose="02000000000000000000" pitchFamily="2" charset="-127"/>
+              </a:rPr>
+              <a:t>/ </a:t>
+            </a:r>
+            <a:r>
+              <a:rPr lang="en-US" altLang="ko-KR" sz="1400" dirty="0" err="1" smtClean="0">
+                <a:solidFill>
+                  <a:srgbClr val="2274EC"/>
+                </a:solidFill>
+                <a:latin typeface="G마켓 산스 TTF Bold" panose="02000000000000000000" pitchFamily="2" charset="-127"/>
+                <a:ea typeface="G마켓 산스 TTF Bold" panose="02000000000000000000" pitchFamily="2" charset="-127"/>
+              </a:rPr>
+              <a:t>Yuseok</a:t>
+            </a:r>
+            <a:r>
+              <a:rPr lang="en-US" altLang="ko-KR" sz="1400" dirty="0" smtClean="0">
+                <a:solidFill>
+                  <a:srgbClr val="2274EC"/>
+                </a:solidFill>
+                <a:latin typeface="G마켓 산스 TTF Bold" panose="02000000000000000000" pitchFamily="2" charset="-127"/>
+                <a:ea typeface="G마켓 산스 TTF Bold" panose="02000000000000000000" pitchFamily="2" charset="-127"/>
+              </a:rPr>
+              <a:t> Kim</a:t>
+            </a:r>
+          </a:p>
+          <a:p>
+            <a:endParaRPr lang="en-US" altLang="ko-KR" sz="1400" dirty="0" smtClean="0">
+              <a:latin typeface="G마켓 산스 TTF Bold" panose="02000000000000000000" pitchFamily="2" charset="-127"/>
+              <a:ea typeface="G마켓 산스 TTF Bold" panose="02000000000000000000" pitchFamily="2" charset="-127"/>
+            </a:endParaRPr>
+          </a:p>
+          <a:p>
+            <a:r>
+              <a:rPr lang="ko-KR" altLang="en-US" sz="1100" dirty="0" smtClean="0">
+                <a:solidFill>
+                  <a:schemeClr val="bg1">
+                    <a:lumMod val="50000"/>
+                  </a:schemeClr>
+                </a:solidFill>
+                <a:latin typeface="G마켓 산스 TTF Bold" panose="02000000000000000000" pitchFamily="2" charset="-127"/>
+                <a:ea typeface="G마켓 산스 TTF Bold" panose="02000000000000000000" pitchFamily="2" charset="-127"/>
+              </a:rPr>
+              <a:t>최소한의 공간으로 최대한의 효율을 낼 수 있는 프로그램을 고민하고 있습니다</a:t>
+            </a:r>
+            <a:r>
+              <a:rPr lang="en-US" altLang="ko-KR" sz="1100" dirty="0" smtClean="0">
+                <a:solidFill>
+                  <a:schemeClr val="bg1">
+                    <a:lumMod val="50000"/>
+                  </a:schemeClr>
+                </a:solidFill>
+                <a:latin typeface="G마켓 산스 TTF Bold" panose="02000000000000000000" pitchFamily="2" charset="-127"/>
+                <a:ea typeface="G마켓 산스 TTF Bold" panose="02000000000000000000" pitchFamily="2" charset="-127"/>
+              </a:rPr>
+              <a:t>.</a:t>
+            </a:r>
+          </a:p>
+          <a:p>
+            <a:endParaRPr lang="en-US" altLang="ko-KR" sz="1100" dirty="0" smtClean="0">
               <a:solidFill>
-                <a:srgbClr val="2274EC"/>
+                <a:schemeClr val="bg1">
+                  <a:lumMod val="50000"/>
+                </a:schemeClr>
               </a:solidFill>
               <a:latin typeface="G마켓 산스 TTF Bold" panose="02000000000000000000" pitchFamily="2" charset="-127"/>
               <a:ea typeface="G마켓 산스 TTF Bold" panose="02000000000000000000" pitchFamily="2" charset="-127"/>
             </a:endParaRPr>
           </a:p>
-        </p:txBody>
-      </p:sp>
-      <p:sp>
-        <p:nvSpPr>
-          <p:cNvPr id="12" name="TextBox 11"/>
-          <p:cNvSpPr txBox="1"/>
-          <p:nvPr/>
-        </p:nvSpPr>
-        <p:spPr>
-          <a:xfrm>
-            <a:off x="638630" y="3712982"/>
-            <a:ext cx="3505200" cy="584775"/>
-          </a:xfrm>
-          <a:prstGeom prst="rect">
-            <a:avLst/>
-          </a:prstGeom>
-          <a:noFill/>
-        </p:spPr>
-        <p:txBody>
-          <a:bodyPr wrap="square" rtlCol="0">
-            <a:spAutoFit/>
-          </a:bodyPr>
-          <a:lstStyle/>
-          <a:p>
-            <a:r>
-              <a:rPr lang="ko-KR" altLang="en-US" sz="3200" dirty="0" smtClean="0">
-                <a:solidFill>
-                  <a:srgbClr val="2274EC"/>
-                </a:solidFill>
-                <a:latin typeface="G마켓 산스 TTF Bold" panose="02000000000000000000" pitchFamily="2" charset="-127"/>
-                <a:ea typeface="G마켓 산스 TTF Bold" panose="02000000000000000000" pitchFamily="2" charset="-127"/>
-              </a:rPr>
-              <a:t>커리어</a:t>
-            </a:r>
-            <a:endParaRPr lang="ko-KR" altLang="en-US" sz="3200" dirty="0">
+          <a:p>
+            <a:r>
+              <a:rPr lang="ko-KR" altLang="en-US" sz="1100" dirty="0" smtClean="0">
+                <a:solidFill>
+                  <a:schemeClr val="bg1">
+                    <a:lumMod val="50000"/>
+                  </a:schemeClr>
+                </a:solidFill>
+                <a:latin typeface="G마켓 산스 TTF Bold" panose="02000000000000000000" pitchFamily="2" charset="-127"/>
+                <a:ea typeface="G마켓 산스 TTF Bold" panose="02000000000000000000" pitchFamily="2" charset="-127"/>
+              </a:rPr>
+              <a:t>저의 고민된 코드 한 줄이 수백</a:t>
+            </a:r>
+            <a:r>
+              <a:rPr lang="en-US" altLang="ko-KR" sz="1100" dirty="0" smtClean="0">
+                <a:solidFill>
+                  <a:schemeClr val="bg1">
+                    <a:lumMod val="50000"/>
+                  </a:schemeClr>
+                </a:solidFill>
+                <a:latin typeface="G마켓 산스 TTF Bold" panose="02000000000000000000" pitchFamily="2" charset="-127"/>
+                <a:ea typeface="G마켓 산스 TTF Bold" panose="02000000000000000000" pitchFamily="2" charset="-127"/>
+              </a:rPr>
+              <a:t>,</a:t>
+            </a:r>
+            <a:r>
+              <a:rPr lang="ko-KR" altLang="en-US" sz="1100" dirty="0" smtClean="0">
+                <a:solidFill>
+                  <a:schemeClr val="bg1">
+                    <a:lumMod val="50000"/>
+                  </a:schemeClr>
+                </a:solidFill>
+                <a:latin typeface="G마켓 산스 TTF Bold" panose="02000000000000000000" pitchFamily="2" charset="-127"/>
+                <a:ea typeface="G마켓 산스 TTF Bold" panose="02000000000000000000" pitchFamily="2" charset="-127"/>
+              </a:rPr>
+              <a:t> 수 천명의 근로자들의 한 걸음을 줄인다고 생각하며 개발에 임하고 있습니다</a:t>
+            </a:r>
+            <a:r>
+              <a:rPr lang="en-US" altLang="ko-KR" sz="1100" dirty="0" smtClean="0">
+                <a:solidFill>
+                  <a:schemeClr val="bg1">
+                    <a:lumMod val="50000"/>
+                  </a:schemeClr>
+                </a:solidFill>
+                <a:latin typeface="G마켓 산스 TTF Bold" panose="02000000000000000000" pitchFamily="2" charset="-127"/>
+                <a:ea typeface="G마켓 산스 TTF Bold" panose="02000000000000000000" pitchFamily="2" charset="-127"/>
+              </a:rPr>
+              <a:t>.</a:t>
+            </a:r>
+          </a:p>
+          <a:p>
+            <a:endParaRPr lang="en-US" altLang="ko-KR" sz="1100" dirty="0" smtClean="0">
               <a:solidFill>
-                <a:srgbClr val="2274EC"/>
+                <a:schemeClr val="bg1">
+                  <a:lumMod val="50000"/>
+                </a:schemeClr>
+              </a:solidFill>
+              <a:latin typeface="G마켓 산스 TTF Bold" panose="02000000000000000000" pitchFamily="2" charset="-127"/>
+              <a:ea typeface="G마켓 산스 TTF Bold" panose="02000000000000000000" pitchFamily="2" charset="-127"/>
+            </a:endParaRPr>
+          </a:p>
+          <a:p>
+            <a:r>
+              <a:rPr lang="ko-KR" altLang="en-US" sz="1100" dirty="0" smtClean="0">
+                <a:solidFill>
+                  <a:schemeClr val="bg1">
+                    <a:lumMod val="50000"/>
+                  </a:schemeClr>
+                </a:solidFill>
+                <a:latin typeface="G마켓 산스 TTF Bold" panose="02000000000000000000" pitchFamily="2" charset="-127"/>
+                <a:ea typeface="G마켓 산스 TTF Bold" panose="02000000000000000000" pitchFamily="2" charset="-127"/>
+              </a:rPr>
+              <a:t>각 </a:t>
+            </a:r>
+            <a:r>
+              <a:rPr lang="ko-KR" altLang="en-US" sz="1100" dirty="0" err="1" smtClean="0">
+                <a:solidFill>
+                  <a:schemeClr val="bg1">
+                    <a:lumMod val="50000"/>
+                  </a:schemeClr>
+                </a:solidFill>
+                <a:latin typeface="G마켓 산스 TTF Bold" panose="02000000000000000000" pitchFamily="2" charset="-127"/>
+                <a:ea typeface="G마켓 산스 TTF Bold" panose="02000000000000000000" pitchFamily="2" charset="-127"/>
+              </a:rPr>
+              <a:t>업장에</a:t>
+            </a:r>
+            <a:r>
+              <a:rPr lang="ko-KR" altLang="en-US" sz="1100" dirty="0" smtClean="0">
+                <a:solidFill>
+                  <a:schemeClr val="bg1">
+                    <a:lumMod val="50000"/>
+                  </a:schemeClr>
+                </a:solidFill>
+                <a:latin typeface="G마켓 산스 TTF Bold" panose="02000000000000000000" pitchFamily="2" charset="-127"/>
+                <a:ea typeface="G마켓 산스 TTF Bold" panose="02000000000000000000" pitchFamily="2" charset="-127"/>
+              </a:rPr>
+              <a:t> 적합한 </a:t>
+            </a:r>
+            <a:r>
+              <a:rPr lang="ko-KR" altLang="en-US" sz="1100" dirty="0" err="1" smtClean="0">
+                <a:solidFill>
+                  <a:schemeClr val="bg1">
+                    <a:lumMod val="50000"/>
+                  </a:schemeClr>
+                </a:solidFill>
+                <a:latin typeface="G마켓 산스 TTF Bold" panose="02000000000000000000" pitchFamily="2" charset="-127"/>
+                <a:ea typeface="G마켓 산스 TTF Bold" panose="02000000000000000000" pitchFamily="2" charset="-127"/>
+              </a:rPr>
+              <a:t>피킹</a:t>
+            </a:r>
+            <a:r>
+              <a:rPr lang="ko-KR" altLang="en-US" sz="1100" dirty="0" smtClean="0">
+                <a:solidFill>
+                  <a:schemeClr val="bg1">
+                    <a:lumMod val="50000"/>
+                  </a:schemeClr>
+                </a:solidFill>
+                <a:latin typeface="G마켓 산스 TTF Bold" panose="02000000000000000000" pitchFamily="2" charset="-127"/>
+                <a:ea typeface="G마켓 산스 TTF Bold" panose="02000000000000000000" pitchFamily="2" charset="-127"/>
+              </a:rPr>
+              <a:t> </a:t>
+            </a:r>
+            <a:r>
+              <a:rPr lang="en-US" altLang="ko-KR" sz="1100" dirty="0" smtClean="0">
+                <a:solidFill>
+                  <a:schemeClr val="bg1">
+                    <a:lumMod val="50000"/>
+                  </a:schemeClr>
+                </a:solidFill>
+                <a:latin typeface="G마켓 산스 TTF Bold" panose="02000000000000000000" pitchFamily="2" charset="-127"/>
+                <a:ea typeface="G마켓 산스 TTF Bold" panose="02000000000000000000" pitchFamily="2" charset="-127"/>
+              </a:rPr>
+              <a:t>, </a:t>
+            </a:r>
+            <a:r>
+              <a:rPr lang="ko-KR" altLang="en-US" sz="1100" dirty="0" smtClean="0">
+                <a:solidFill>
+                  <a:schemeClr val="bg1">
+                    <a:lumMod val="50000"/>
+                  </a:schemeClr>
+                </a:solidFill>
+                <a:latin typeface="G마켓 산스 TTF Bold" panose="02000000000000000000" pitchFamily="2" charset="-127"/>
+                <a:ea typeface="G마켓 산스 TTF Bold" panose="02000000000000000000" pitchFamily="2" charset="-127"/>
+              </a:rPr>
+              <a:t>적치 시스템을 프로그램으로 구현하고자 합니다</a:t>
+            </a:r>
+            <a:r>
+              <a:rPr lang="en-US" altLang="ko-KR" sz="1100" dirty="0" smtClean="0">
+                <a:solidFill>
+                  <a:schemeClr val="bg1">
+                    <a:lumMod val="50000"/>
+                  </a:schemeClr>
+                </a:solidFill>
+                <a:latin typeface="G마켓 산스 TTF Bold" panose="02000000000000000000" pitchFamily="2" charset="-127"/>
+                <a:ea typeface="G마켓 산스 TTF Bold" panose="02000000000000000000" pitchFamily="2" charset="-127"/>
+              </a:rPr>
+              <a:t>.</a:t>
+            </a:r>
+            <a:endParaRPr lang="en-US" altLang="ko-KR" sz="1100" dirty="0">
+              <a:solidFill>
+                <a:schemeClr val="bg1">
+                  <a:lumMod val="50000"/>
+                </a:schemeClr>
               </a:solidFill>
               <a:latin typeface="G마켓 산스 TTF Bold" panose="02000000000000000000" pitchFamily="2" charset="-127"/>
               <a:ea typeface="G마켓 산스 TTF Bold" panose="02000000000000000000" pitchFamily="2" charset="-127"/>
@@ -3471,7 +3701,7 @@
         </p:nvCxnSpPr>
         <p:spPr>
           <a:xfrm>
-            <a:off x="500742" y="4616439"/>
+            <a:off x="493485" y="7274338"/>
             <a:ext cx="5492750" cy="0"/>
           </a:xfrm>
           <a:prstGeom prst="line">
@@ -3502,14 +3732,14 @@
       </p:cxnSp>
       <p:sp>
         <p:nvSpPr>
-          <p:cNvPr id="14" name="TextBox 13"/>
+          <p:cNvPr id="15" name="TextBox 14"/>
           <p:cNvSpPr txBox="1"/>
           <p:nvPr/>
         </p:nvSpPr>
         <p:spPr>
           <a:xfrm>
-            <a:off x="290285" y="5794828"/>
-            <a:ext cx="3505200" cy="584775"/>
+            <a:off x="609599" y="4209446"/>
+            <a:ext cx="3505200" cy="369332"/>
           </a:xfrm>
           <a:prstGeom prst="rect">
             <a:avLst/>
@@ -3523,16 +3753,16 @@
           <a:lstStyle/>
           <a:p>
             <a:r>
-              <a:rPr lang="ko-KR" altLang="en-US" sz="3200" dirty="0" smtClean="0">
+              <a:rPr lang="en-US" altLang="ko-KR" dirty="0" smtClean="0">
                 <a:solidFill>
                   <a:srgbClr val="2274EC"/>
                 </a:solidFill>
                 <a:latin typeface="G마켓 산스 TTF Bold" panose="02000000000000000000" pitchFamily="2" charset="-127"/>
                 <a:ea typeface="G마켓 산스 TTF Bold" panose="02000000000000000000" pitchFamily="2" charset="-127"/>
               </a:rPr>
-              <a:t>기술 스택</a:t>
-            </a:r>
-            <a:endParaRPr lang="ko-KR" altLang="en-US" sz="3200" dirty="0">
+              <a:t>Career</a:t>
+            </a:r>
+            <a:endParaRPr lang="ko-KR" altLang="en-US" sz="1400" dirty="0">
               <a:solidFill>
                 <a:srgbClr val="2274EC"/>
               </a:solidFill>
@@ -3544,14 +3774,14 @@
       </p:sp>
       <p:sp>
         <p:nvSpPr>
-          <p:cNvPr id="15" name="TextBox 14"/>
+          <p:cNvPr id="17" name="TextBox 16"/>
           <p:cNvSpPr txBox="1"/>
           <p:nvPr/>
         </p:nvSpPr>
         <p:spPr>
           <a:xfrm>
-            <a:off x="3846285" y="5794827"/>
-            <a:ext cx="3505200" cy="584775"/>
+            <a:off x="609599" y="7379624"/>
+            <a:ext cx="3505200" cy="307777"/>
           </a:xfrm>
           <a:prstGeom prst="rect">
             <a:avLst/>
@@ -3565,16 +3795,16 @@
           <a:lstStyle/>
           <a:p>
             <a:r>
-              <a:rPr lang="en-US" altLang="ko-KR" sz="3200" dirty="0" smtClean="0">
+              <a:rPr lang="en-US" altLang="ko-KR" sz="1400" dirty="0" smtClean="0">
                 <a:solidFill>
                   <a:srgbClr val="2274EC"/>
                 </a:solidFill>
                 <a:latin typeface="G마켓 산스 TTF Bold" panose="02000000000000000000" pitchFamily="2" charset="-127"/>
                 <a:ea typeface="G마켓 산스 TTF Bold" panose="02000000000000000000" pitchFamily="2" charset="-127"/>
               </a:rPr>
-              <a:t>certification</a:t>
-            </a:r>
-            <a:endParaRPr lang="ko-KR" altLang="en-US" sz="3200" dirty="0">
+              <a:t>SKILL</a:t>
+            </a:r>
+            <a:endParaRPr lang="ko-KR" altLang="en-US" sz="1400" dirty="0">
               <a:solidFill>
                 <a:srgbClr val="2274EC"/>
               </a:solidFill>
@@ -3584,6 +3814,950 @@
           </a:p>
         </p:txBody>
       </p:sp>
+      <p:sp>
+        <p:nvSpPr>
+          <p:cNvPr id="18" name="TextBox 17"/>
+          <p:cNvSpPr txBox="1"/>
+          <p:nvPr/>
+        </p:nvSpPr>
+        <p:spPr>
+          <a:xfrm>
+            <a:off x="609599" y="4610329"/>
+            <a:ext cx="2351314" cy="877163"/>
+          </a:xfrm>
+          <a:prstGeom prst="rect">
+            <a:avLst/>
+          </a:prstGeom>
+          <a:noFill/>
+        </p:spPr>
+        <p:txBody>
+          <a:bodyPr wrap="square" rtlCol="0">
+            <a:spAutoFit/>
+          </a:bodyPr>
+          <a:lstStyle/>
+          <a:p>
+            <a:pPr>
+              <a:lnSpc>
+                <a:spcPct val="150000"/>
+              </a:lnSpc>
+            </a:pPr>
+            <a:r>
+              <a:rPr lang="ko-KR" altLang="en-US" sz="1400" dirty="0" err="1" smtClean="0">
+                <a:latin typeface="G마켓 산스 TTF Bold" panose="02000000000000000000" pitchFamily="2" charset="-127"/>
+                <a:ea typeface="G마켓 산스 TTF Bold" panose="02000000000000000000" pitchFamily="2" charset="-127"/>
+              </a:rPr>
+              <a:t>롯데</a:t>
+            </a:r>
+            <a:r>
+              <a:rPr lang="ko-KR" altLang="en-US" sz="1400" dirty="0" smtClean="0">
+                <a:latin typeface="G마켓 산스 TTF Bold" panose="02000000000000000000" pitchFamily="2" charset="-127"/>
+                <a:ea typeface="G마켓 산스 TTF Bold" panose="02000000000000000000" pitchFamily="2" charset="-127"/>
+              </a:rPr>
+              <a:t> 글로벌 </a:t>
+            </a:r>
+            <a:r>
+              <a:rPr lang="ko-KR" altLang="en-US" sz="1400" dirty="0" err="1" smtClean="0">
+                <a:latin typeface="G마켓 산스 TTF Bold" panose="02000000000000000000" pitchFamily="2" charset="-127"/>
+                <a:ea typeface="G마켓 산스 TTF Bold" panose="02000000000000000000" pitchFamily="2" charset="-127"/>
+              </a:rPr>
+              <a:t>로지스</a:t>
+            </a:r>
+            <a:endParaRPr lang="en-US" altLang="ko-KR" sz="1400" dirty="0" smtClean="0">
+              <a:latin typeface="G마켓 산스 TTF Bold" panose="02000000000000000000" pitchFamily="2" charset="-127"/>
+              <a:ea typeface="G마켓 산스 TTF Bold" panose="02000000000000000000" pitchFamily="2" charset="-127"/>
+            </a:endParaRPr>
+          </a:p>
+          <a:p>
+            <a:pPr>
+              <a:lnSpc>
+                <a:spcPct val="150000"/>
+              </a:lnSpc>
+            </a:pPr>
+            <a:r>
+              <a:rPr lang="ko-KR" altLang="en-US" sz="1000" dirty="0" smtClean="0">
+                <a:solidFill>
+                  <a:schemeClr val="bg1">
+                    <a:lumMod val="50000"/>
+                  </a:schemeClr>
+                </a:solidFill>
+                <a:latin typeface="G마켓 산스 TTF Bold" panose="02000000000000000000" pitchFamily="2" charset="-127"/>
+                <a:ea typeface="G마켓 산스 TTF Bold" panose="02000000000000000000" pitchFamily="2" charset="-127"/>
+              </a:rPr>
+              <a:t>📆 </a:t>
+            </a:r>
+            <a:r>
+              <a:rPr lang="en-US" altLang="ko-KR" sz="1000" dirty="0" smtClean="0">
+                <a:solidFill>
+                  <a:schemeClr val="bg1">
+                    <a:lumMod val="50000"/>
+                  </a:schemeClr>
+                </a:solidFill>
+                <a:latin typeface="G마켓 산스 TTF Bold" panose="02000000000000000000" pitchFamily="2" charset="-127"/>
+                <a:ea typeface="G마켓 산스 TTF Bold" panose="02000000000000000000" pitchFamily="2" charset="-127"/>
+              </a:rPr>
+              <a:t>2021.04 ~ 2023.07(2</a:t>
+            </a:r>
+            <a:r>
+              <a:rPr lang="ko-KR" altLang="en-US" sz="1000" dirty="0" smtClean="0">
+                <a:solidFill>
+                  <a:schemeClr val="bg1">
+                    <a:lumMod val="50000"/>
+                  </a:schemeClr>
+                </a:solidFill>
+                <a:latin typeface="G마켓 산스 TTF Bold" panose="02000000000000000000" pitchFamily="2" charset="-127"/>
+                <a:ea typeface="G마켓 산스 TTF Bold" panose="02000000000000000000" pitchFamily="2" charset="-127"/>
+              </a:rPr>
+              <a:t>년 </a:t>
+            </a:r>
+            <a:r>
+              <a:rPr lang="en-US" altLang="ko-KR" sz="1000" dirty="0" smtClean="0">
+                <a:solidFill>
+                  <a:schemeClr val="bg1">
+                    <a:lumMod val="50000"/>
+                  </a:schemeClr>
+                </a:solidFill>
+                <a:latin typeface="G마켓 산스 TTF Bold" panose="02000000000000000000" pitchFamily="2" charset="-127"/>
+                <a:ea typeface="G마켓 산스 TTF Bold" panose="02000000000000000000" pitchFamily="2" charset="-127"/>
+              </a:rPr>
+              <a:t>3</a:t>
+            </a:r>
+            <a:r>
+              <a:rPr lang="ko-KR" altLang="en-US" sz="1000" dirty="0" smtClean="0">
+                <a:solidFill>
+                  <a:schemeClr val="bg1">
+                    <a:lumMod val="50000"/>
+                  </a:schemeClr>
+                </a:solidFill>
+                <a:latin typeface="G마켓 산스 TTF Bold" panose="02000000000000000000" pitchFamily="2" charset="-127"/>
+                <a:ea typeface="G마켓 산스 TTF Bold" panose="02000000000000000000" pitchFamily="2" charset="-127"/>
+              </a:rPr>
+              <a:t>개월</a:t>
+            </a:r>
+            <a:r>
+              <a:rPr lang="en-US" altLang="ko-KR" sz="1000" dirty="0" smtClean="0">
+                <a:solidFill>
+                  <a:schemeClr val="bg1">
+                    <a:lumMod val="50000"/>
+                  </a:schemeClr>
+                </a:solidFill>
+                <a:latin typeface="G마켓 산스 TTF Bold" panose="02000000000000000000" pitchFamily="2" charset="-127"/>
+                <a:ea typeface="G마켓 산스 TTF Bold" panose="02000000000000000000" pitchFamily="2" charset="-127"/>
+              </a:rPr>
+              <a:t>)</a:t>
+            </a:r>
+          </a:p>
+          <a:p>
+            <a:pPr>
+              <a:lnSpc>
+                <a:spcPct val="150000"/>
+              </a:lnSpc>
+            </a:pPr>
+            <a:r>
+              <a:rPr lang="ko-KR" altLang="en-US" sz="1000" dirty="0" smtClean="0">
+                <a:solidFill>
+                  <a:schemeClr val="bg1">
+                    <a:lumMod val="50000"/>
+                  </a:schemeClr>
+                </a:solidFill>
+                <a:latin typeface="G마켓 산스 TTF Bold" panose="02000000000000000000" pitchFamily="2" charset="-127"/>
+                <a:ea typeface="G마켓 산스 TTF Bold" panose="02000000000000000000" pitchFamily="2" charset="-127"/>
+              </a:rPr>
+              <a:t>👨‍ </a:t>
+            </a:r>
+            <a:r>
+              <a:rPr lang="ko-KR" altLang="en-US" sz="1000" dirty="0" smtClean="0">
+                <a:solidFill>
+                  <a:schemeClr val="bg1">
+                    <a:lumMod val="50000"/>
+                  </a:schemeClr>
+                </a:solidFill>
+                <a:latin typeface="G마켓 산스 TTF Bold" panose="02000000000000000000" pitchFamily="2" charset="-127"/>
+                <a:ea typeface="G마켓 산스 TTF Bold" panose="02000000000000000000" pitchFamily="2" charset="-127"/>
+              </a:rPr>
+              <a:t>유통물류 </a:t>
+            </a:r>
+            <a:r>
+              <a:rPr lang="en-US" altLang="ko-KR" sz="1000" dirty="0" smtClean="0">
+                <a:solidFill>
+                  <a:schemeClr val="bg1">
+                    <a:lumMod val="50000"/>
+                  </a:schemeClr>
+                </a:solidFill>
+                <a:latin typeface="G마켓 산스 TTF Bold" panose="02000000000000000000" pitchFamily="2" charset="-127"/>
+                <a:ea typeface="G마켓 산스 TTF Bold" panose="02000000000000000000" pitchFamily="2" charset="-127"/>
+              </a:rPr>
+              <a:t>3</a:t>
+            </a:r>
+            <a:r>
+              <a:rPr lang="ko-KR" altLang="en-US" sz="1000" dirty="0" smtClean="0">
+                <a:solidFill>
+                  <a:schemeClr val="bg1">
+                    <a:lumMod val="50000"/>
+                  </a:schemeClr>
+                </a:solidFill>
+                <a:latin typeface="G마켓 산스 TTF Bold" panose="02000000000000000000" pitchFamily="2" charset="-127"/>
+                <a:ea typeface="G마켓 산스 TTF Bold" panose="02000000000000000000" pitchFamily="2" charset="-127"/>
+              </a:rPr>
+              <a:t>팀 </a:t>
+            </a:r>
+            <a:r>
+              <a:rPr lang="ko-KR" altLang="en-US" sz="1000" dirty="0" err="1" smtClean="0">
+                <a:solidFill>
+                  <a:schemeClr val="bg1">
+                    <a:lumMod val="50000"/>
+                  </a:schemeClr>
+                </a:solidFill>
+                <a:latin typeface="G마켓 산스 TTF Bold" panose="02000000000000000000" pitchFamily="2" charset="-127"/>
+                <a:ea typeface="G마켓 산스 TTF Bold" panose="02000000000000000000" pitchFamily="2" charset="-127"/>
+              </a:rPr>
+              <a:t>유니클로</a:t>
+            </a:r>
+            <a:endParaRPr lang="ko-KR" altLang="en-US" sz="1000" dirty="0">
+              <a:solidFill>
+                <a:schemeClr val="bg1">
+                  <a:lumMod val="50000"/>
+                </a:schemeClr>
+              </a:solidFill>
+              <a:latin typeface="G마켓 산스 TTF Bold" panose="02000000000000000000" pitchFamily="2" charset="-127"/>
+              <a:ea typeface="G마켓 산스 TTF Bold" panose="02000000000000000000" pitchFamily="2" charset="-127"/>
+            </a:endParaRPr>
+          </a:p>
+        </p:txBody>
+      </p:sp>
+      <p:sp>
+        <p:nvSpPr>
+          <p:cNvPr id="19" name="TextBox 18"/>
+          <p:cNvSpPr txBox="1"/>
+          <p:nvPr/>
+        </p:nvSpPr>
+        <p:spPr>
+          <a:xfrm>
+            <a:off x="3216909" y="4635323"/>
+            <a:ext cx="3505200" cy="984885"/>
+          </a:xfrm>
+          <a:prstGeom prst="rect">
+            <a:avLst/>
+          </a:prstGeom>
+          <a:noFill/>
+        </p:spPr>
+        <p:txBody>
+          <a:bodyPr wrap="square" rtlCol="0">
+            <a:spAutoFit/>
+          </a:bodyPr>
+          <a:lstStyle/>
+          <a:p>
+            <a:r>
+              <a:rPr lang="ko-KR" altLang="en-US" sz="1400" dirty="0" smtClean="0">
+                <a:latin typeface="G마켓 산스 TTF Bold" panose="02000000000000000000" pitchFamily="2" charset="-127"/>
+                <a:ea typeface="G마켓 산스 TTF Bold" panose="02000000000000000000" pitchFamily="2" charset="-127"/>
+              </a:rPr>
+              <a:t>업무 내용</a:t>
+            </a:r>
+            <a:endParaRPr lang="en-US" altLang="ko-KR" sz="1400" dirty="0" smtClean="0">
+              <a:latin typeface="G마켓 산스 TTF Bold" panose="02000000000000000000" pitchFamily="2" charset="-127"/>
+              <a:ea typeface="G마켓 산스 TTF Bold" panose="02000000000000000000" pitchFamily="2" charset="-127"/>
+            </a:endParaRPr>
+          </a:p>
+          <a:p>
+            <a:endParaRPr lang="en-US" altLang="ko-KR" sz="1400" dirty="0" smtClean="0">
+              <a:latin typeface="G마켓 산스 TTF Bold" panose="02000000000000000000" pitchFamily="2" charset="-127"/>
+              <a:ea typeface="G마켓 산스 TTF Bold" panose="02000000000000000000" pitchFamily="2" charset="-127"/>
+            </a:endParaRPr>
+          </a:p>
+          <a:p>
+            <a:r>
+              <a:rPr lang="en-US" altLang="ko-KR" sz="1000" dirty="0" smtClean="0">
+                <a:solidFill>
+                  <a:schemeClr val="bg1">
+                    <a:lumMod val="50000"/>
+                  </a:schemeClr>
+                </a:solidFill>
+                <a:latin typeface="G마켓 산스 TTF Bold" panose="02000000000000000000" pitchFamily="2" charset="-127"/>
+                <a:ea typeface="G마켓 산스 TTF Bold" panose="02000000000000000000" pitchFamily="2" charset="-127"/>
+              </a:rPr>
+              <a:t>- WMS </a:t>
+            </a:r>
+            <a:r>
+              <a:rPr lang="ko-KR" altLang="en-US" sz="1000" dirty="0" smtClean="0">
+                <a:solidFill>
+                  <a:schemeClr val="bg1">
+                    <a:lumMod val="50000"/>
+                  </a:schemeClr>
+                </a:solidFill>
+                <a:latin typeface="G마켓 산스 TTF Bold" panose="02000000000000000000" pitchFamily="2" charset="-127"/>
+                <a:ea typeface="G마켓 산스 TTF Bold" panose="02000000000000000000" pitchFamily="2" charset="-127"/>
+              </a:rPr>
+              <a:t>입출고 데이터 관리</a:t>
+            </a:r>
+            <a:endParaRPr lang="en-US" altLang="ko-KR" sz="1000" dirty="0">
+              <a:solidFill>
+                <a:schemeClr val="bg1">
+                  <a:lumMod val="50000"/>
+                </a:schemeClr>
+              </a:solidFill>
+              <a:latin typeface="G마켓 산스 TTF Bold" panose="02000000000000000000" pitchFamily="2" charset="-127"/>
+              <a:ea typeface="G마켓 산스 TTF Bold" panose="02000000000000000000" pitchFamily="2" charset="-127"/>
+            </a:endParaRPr>
+          </a:p>
+          <a:p>
+            <a:r>
+              <a:rPr lang="en-US" altLang="ko-KR" sz="1000" dirty="0" smtClean="0">
+                <a:solidFill>
+                  <a:schemeClr val="bg1">
+                    <a:lumMod val="50000"/>
+                  </a:schemeClr>
+                </a:solidFill>
+                <a:latin typeface="G마켓 산스 TTF Bold" panose="02000000000000000000" pitchFamily="2" charset="-127"/>
+                <a:ea typeface="G마켓 산스 TTF Bold" panose="02000000000000000000" pitchFamily="2" charset="-127"/>
+              </a:rPr>
+              <a:t>- 21FW, 22SS, 22FW  </a:t>
+            </a:r>
+            <a:r>
+              <a:rPr lang="ko-KR" altLang="en-US" sz="1000" dirty="0" smtClean="0">
+                <a:solidFill>
+                  <a:schemeClr val="bg1">
+                    <a:lumMod val="50000"/>
+                  </a:schemeClr>
+                </a:solidFill>
+                <a:latin typeface="G마켓 산스 TTF Bold" panose="02000000000000000000" pitchFamily="2" charset="-127"/>
+                <a:ea typeface="G마켓 산스 TTF Bold" panose="02000000000000000000" pitchFamily="2" charset="-127"/>
+              </a:rPr>
+              <a:t>반품 스케줄 수립</a:t>
+            </a:r>
+            <a:endParaRPr lang="en-US" altLang="ko-KR" sz="1000" dirty="0" smtClean="0">
+              <a:solidFill>
+                <a:schemeClr val="bg1">
+                  <a:lumMod val="50000"/>
+                </a:schemeClr>
+              </a:solidFill>
+              <a:latin typeface="G마켓 산스 TTF Bold" panose="02000000000000000000" pitchFamily="2" charset="-127"/>
+              <a:ea typeface="G마켓 산스 TTF Bold" panose="02000000000000000000" pitchFamily="2" charset="-127"/>
+            </a:endParaRPr>
+          </a:p>
+          <a:p>
+            <a:r>
+              <a:rPr lang="en-US" altLang="ko-KR" sz="1000" dirty="0" smtClean="0">
+                <a:solidFill>
+                  <a:schemeClr val="bg1">
+                    <a:lumMod val="50000"/>
+                  </a:schemeClr>
+                </a:solidFill>
+                <a:latin typeface="G마켓 산스 TTF Bold" panose="02000000000000000000" pitchFamily="2" charset="-127"/>
+                <a:ea typeface="G마켓 산스 TTF Bold" panose="02000000000000000000" pitchFamily="2" charset="-127"/>
+              </a:rPr>
+              <a:t>- DAS </a:t>
+            </a:r>
+            <a:r>
+              <a:rPr lang="ko-KR" altLang="en-US" sz="1000" dirty="0" smtClean="0">
+                <a:solidFill>
+                  <a:schemeClr val="bg1">
+                    <a:lumMod val="50000"/>
+                  </a:schemeClr>
+                </a:solidFill>
+                <a:latin typeface="G마켓 산스 TTF Bold" panose="02000000000000000000" pitchFamily="2" charset="-127"/>
+                <a:ea typeface="G마켓 산스 TTF Bold" panose="02000000000000000000" pitchFamily="2" charset="-127"/>
+              </a:rPr>
+              <a:t>분류</a:t>
+            </a:r>
+            <a:r>
+              <a:rPr lang="en-US" altLang="ko-KR" sz="1000" dirty="0" smtClean="0">
+                <a:solidFill>
+                  <a:schemeClr val="bg1">
+                    <a:lumMod val="50000"/>
+                  </a:schemeClr>
+                </a:solidFill>
+                <a:latin typeface="G마켓 산스 TTF Bold" panose="02000000000000000000" pitchFamily="2" charset="-127"/>
+                <a:ea typeface="G마켓 산스 TTF Bold" panose="02000000000000000000" pitchFamily="2" charset="-127"/>
+              </a:rPr>
+              <a:t>, </a:t>
+            </a:r>
+            <a:r>
+              <a:rPr lang="ko-KR" altLang="en-US" sz="1000" dirty="0" smtClean="0">
+                <a:solidFill>
+                  <a:schemeClr val="bg1">
+                    <a:lumMod val="50000"/>
+                  </a:schemeClr>
+                </a:solidFill>
+                <a:latin typeface="G마켓 산스 TTF Bold" panose="02000000000000000000" pitchFamily="2" charset="-127"/>
+                <a:ea typeface="G마켓 산스 TTF Bold" panose="02000000000000000000" pitchFamily="2" charset="-127"/>
+              </a:rPr>
+              <a:t>작업 관리</a:t>
+            </a:r>
+            <a:endParaRPr lang="en-US" altLang="ko-KR" sz="1000" dirty="0" smtClean="0">
+              <a:solidFill>
+                <a:schemeClr val="bg1">
+                  <a:lumMod val="50000"/>
+                </a:schemeClr>
+              </a:solidFill>
+              <a:latin typeface="G마켓 산스 TTF Bold" panose="02000000000000000000" pitchFamily="2" charset="-127"/>
+              <a:ea typeface="G마켓 산스 TTF Bold" panose="02000000000000000000" pitchFamily="2" charset="-127"/>
+            </a:endParaRPr>
+          </a:p>
+        </p:txBody>
+      </p:sp>
+      <p:sp>
+        <p:nvSpPr>
+          <p:cNvPr id="20" name="TextBox 19"/>
+          <p:cNvSpPr txBox="1"/>
+          <p:nvPr/>
+        </p:nvSpPr>
+        <p:spPr>
+          <a:xfrm>
+            <a:off x="3174999" y="5994629"/>
+            <a:ext cx="3505200" cy="1384995"/>
+          </a:xfrm>
+          <a:prstGeom prst="rect">
+            <a:avLst/>
+          </a:prstGeom>
+          <a:noFill/>
+        </p:spPr>
+        <p:txBody>
+          <a:bodyPr wrap="square" rtlCol="0">
+            <a:spAutoFit/>
+          </a:bodyPr>
+          <a:lstStyle/>
+          <a:p>
+            <a:r>
+              <a:rPr lang="ko-KR" altLang="en-US" sz="1400" dirty="0" smtClean="0">
+                <a:latin typeface="G마켓 산스 TTF Bold" panose="02000000000000000000" pitchFamily="2" charset="-127"/>
+                <a:ea typeface="G마켓 산스 TTF Bold" panose="02000000000000000000" pitchFamily="2" charset="-127"/>
+              </a:rPr>
+              <a:t>수행 프로젝트</a:t>
+            </a:r>
+            <a:endParaRPr lang="en-US" altLang="ko-KR" sz="1400" dirty="0" smtClean="0">
+              <a:latin typeface="G마켓 산스 TTF Bold" panose="02000000000000000000" pitchFamily="2" charset="-127"/>
+              <a:ea typeface="G마켓 산스 TTF Bold" panose="02000000000000000000" pitchFamily="2" charset="-127"/>
+            </a:endParaRPr>
+          </a:p>
+          <a:p>
+            <a:r>
+              <a:rPr lang="ko-KR" altLang="en-US" sz="1000" dirty="0">
+                <a:solidFill>
+                  <a:schemeClr val="bg1">
+                    <a:lumMod val="50000"/>
+                  </a:schemeClr>
+                </a:solidFill>
+                <a:latin typeface="G마켓 산스 TTF Bold" panose="02000000000000000000" pitchFamily="2" charset="-127"/>
+                <a:ea typeface="G마켓 산스 TTF Bold" panose="02000000000000000000" pitchFamily="2" charset="-127"/>
+              </a:rPr>
+              <a:t>👨 </a:t>
+            </a:r>
+            <a:r>
+              <a:rPr lang="ko-KR" altLang="en-US" sz="1000" dirty="0" smtClean="0">
+                <a:solidFill>
+                  <a:schemeClr val="bg1">
+                    <a:lumMod val="50000"/>
+                  </a:schemeClr>
+                </a:solidFill>
+                <a:latin typeface="G마켓 산스 TTF Bold" panose="02000000000000000000" pitchFamily="2" charset="-127"/>
+                <a:ea typeface="G마켓 산스 TTF Bold" panose="02000000000000000000" pitchFamily="2" charset="-127"/>
+              </a:rPr>
+              <a:t>한</a:t>
+            </a:r>
+            <a:r>
+              <a:rPr lang="en-US" altLang="ko-KR" sz="1000" dirty="0" smtClean="0">
+                <a:solidFill>
+                  <a:schemeClr val="bg1">
+                    <a:lumMod val="50000"/>
+                  </a:schemeClr>
+                </a:solidFill>
+                <a:latin typeface="G마켓 산스 TTF Bold" panose="02000000000000000000" pitchFamily="2" charset="-127"/>
+                <a:ea typeface="G마켓 산스 TTF Bold" panose="02000000000000000000" pitchFamily="2" charset="-127"/>
+              </a:rPr>
+              <a:t>·</a:t>
+            </a:r>
+            <a:r>
+              <a:rPr lang="ko-KR" altLang="en-US" sz="1000" dirty="0" smtClean="0">
+                <a:solidFill>
+                  <a:schemeClr val="bg1">
+                    <a:lumMod val="50000"/>
+                  </a:schemeClr>
+                </a:solidFill>
+                <a:latin typeface="G마켓 산스 TTF Bold" panose="02000000000000000000" pitchFamily="2" charset="-127"/>
+                <a:ea typeface="G마켓 산스 TTF Bold" panose="02000000000000000000" pitchFamily="2" charset="-127"/>
+              </a:rPr>
+              <a:t>일 무역 전쟁 </a:t>
+            </a:r>
+            <a:r>
+              <a:rPr lang="en-US" altLang="ko-KR" sz="1000" dirty="0" smtClean="0">
+                <a:solidFill>
+                  <a:schemeClr val="bg1">
+                    <a:lumMod val="50000"/>
+                  </a:schemeClr>
+                </a:solidFill>
+                <a:latin typeface="G마켓 산스 TTF Bold" panose="02000000000000000000" pitchFamily="2" charset="-127"/>
+                <a:ea typeface="G마켓 산스 TTF Bold" panose="02000000000000000000" pitchFamily="2" charset="-127"/>
+              </a:rPr>
+              <a:t>TFT</a:t>
+            </a:r>
+            <a:r>
+              <a:rPr lang="ko-KR" altLang="en-US" sz="1000" dirty="0" smtClean="0">
+                <a:solidFill>
+                  <a:schemeClr val="bg1">
+                    <a:lumMod val="50000"/>
+                  </a:schemeClr>
+                </a:solidFill>
+                <a:latin typeface="G마켓 산스 TTF Bold" panose="02000000000000000000" pitchFamily="2" charset="-127"/>
+                <a:ea typeface="G마켓 산스 TTF Bold" panose="02000000000000000000" pitchFamily="2" charset="-127"/>
+              </a:rPr>
+              <a:t>팀 팀장</a:t>
+            </a:r>
+            <a:endParaRPr lang="en-US" altLang="ko-KR" sz="1000" dirty="0" smtClean="0">
+              <a:solidFill>
+                <a:schemeClr val="bg1">
+                  <a:lumMod val="50000"/>
+                </a:schemeClr>
+              </a:solidFill>
+              <a:latin typeface="G마켓 산스 TTF Bold" panose="02000000000000000000" pitchFamily="2" charset="-127"/>
+              <a:ea typeface="G마켓 산스 TTF Bold" panose="02000000000000000000" pitchFamily="2" charset="-127"/>
+            </a:endParaRPr>
+          </a:p>
+          <a:p>
+            <a:endParaRPr lang="en-US" altLang="ko-KR" sz="1000" dirty="0">
+              <a:solidFill>
+                <a:schemeClr val="bg1">
+                  <a:lumMod val="50000"/>
+                </a:schemeClr>
+              </a:solidFill>
+              <a:latin typeface="G마켓 산스 TTF Bold" panose="02000000000000000000" pitchFamily="2" charset="-127"/>
+              <a:ea typeface="G마켓 산스 TTF Bold" panose="02000000000000000000" pitchFamily="2" charset="-127"/>
+            </a:endParaRPr>
+          </a:p>
+          <a:p>
+            <a:r>
+              <a:rPr lang="en-US" altLang="ko-KR" sz="1000" dirty="0" smtClean="0">
+                <a:solidFill>
+                  <a:schemeClr val="bg1">
+                    <a:lumMod val="50000"/>
+                  </a:schemeClr>
+                </a:solidFill>
+                <a:latin typeface="G마켓 산스 TTF Bold" panose="02000000000000000000" pitchFamily="2" charset="-127"/>
+                <a:ea typeface="G마켓 산스 TTF Bold" panose="02000000000000000000" pitchFamily="2" charset="-127"/>
+              </a:rPr>
+              <a:t>-  6,000</a:t>
+            </a:r>
+            <a:r>
+              <a:rPr lang="ko-KR" altLang="en-US" sz="1000" dirty="0" smtClean="0">
+                <a:solidFill>
+                  <a:schemeClr val="bg1">
+                    <a:lumMod val="50000"/>
+                  </a:schemeClr>
+                </a:solidFill>
+                <a:latin typeface="G마켓 산스 TTF Bold" panose="02000000000000000000" pitchFamily="2" charset="-127"/>
+                <a:ea typeface="G마켓 산스 TTF Bold" panose="02000000000000000000" pitchFamily="2" charset="-127"/>
+              </a:rPr>
+              <a:t>평 버퍼 센터 운영</a:t>
+            </a:r>
+            <a:endParaRPr lang="en-US" altLang="ko-KR" sz="1000" dirty="0" smtClean="0">
+              <a:solidFill>
+                <a:schemeClr val="bg1">
+                  <a:lumMod val="50000"/>
+                </a:schemeClr>
+              </a:solidFill>
+              <a:latin typeface="G마켓 산스 TTF Bold" panose="02000000000000000000" pitchFamily="2" charset="-127"/>
+              <a:ea typeface="G마켓 산스 TTF Bold" panose="02000000000000000000" pitchFamily="2" charset="-127"/>
+            </a:endParaRPr>
+          </a:p>
+          <a:p>
+            <a:r>
+              <a:rPr lang="en-US" altLang="ko-KR" sz="1000" dirty="0" smtClean="0">
+                <a:solidFill>
+                  <a:schemeClr val="bg1">
+                    <a:lumMod val="50000"/>
+                  </a:schemeClr>
+                </a:solidFill>
+                <a:latin typeface="G마켓 산스 TTF Bold" panose="02000000000000000000" pitchFamily="2" charset="-127"/>
+                <a:ea typeface="G마켓 산스 TTF Bold" panose="02000000000000000000" pitchFamily="2" charset="-127"/>
+              </a:rPr>
+              <a:t>-  </a:t>
+            </a:r>
+            <a:r>
+              <a:rPr lang="ko-KR" altLang="en-US" sz="1000" dirty="0" smtClean="0">
+                <a:solidFill>
+                  <a:schemeClr val="bg1">
+                    <a:lumMod val="50000"/>
+                  </a:schemeClr>
+                </a:solidFill>
+                <a:latin typeface="G마켓 산스 TTF Bold" panose="02000000000000000000" pitchFamily="2" charset="-127"/>
+                <a:ea typeface="G마켓 산스 TTF Bold" panose="02000000000000000000" pitchFamily="2" charset="-127"/>
+              </a:rPr>
+              <a:t>간선 배차 관리</a:t>
+            </a:r>
+            <a:endParaRPr lang="en-US" altLang="ko-KR" sz="1000" dirty="0" smtClean="0">
+              <a:solidFill>
+                <a:schemeClr val="bg1">
+                  <a:lumMod val="50000"/>
+                </a:schemeClr>
+              </a:solidFill>
+              <a:latin typeface="G마켓 산스 TTF Bold" panose="02000000000000000000" pitchFamily="2" charset="-127"/>
+              <a:ea typeface="G마켓 산스 TTF Bold" panose="02000000000000000000" pitchFamily="2" charset="-127"/>
+            </a:endParaRPr>
+          </a:p>
+          <a:p>
+            <a:pPr marL="171450" indent="-171450">
+              <a:buFontTx/>
+              <a:buChar char="-"/>
+            </a:pPr>
+            <a:r>
+              <a:rPr lang="ko-KR" altLang="en-US" sz="1000" dirty="0" err="1" smtClean="0">
+                <a:solidFill>
+                  <a:schemeClr val="bg1">
+                    <a:lumMod val="50000"/>
+                  </a:schemeClr>
+                </a:solidFill>
+                <a:latin typeface="G마켓 산스 TTF Bold" panose="02000000000000000000" pitchFamily="2" charset="-127"/>
+                <a:ea typeface="G마켓 산스 TTF Bold" panose="02000000000000000000" pitchFamily="2" charset="-127"/>
+              </a:rPr>
+              <a:t>스태킹</a:t>
+            </a:r>
+            <a:r>
+              <a:rPr lang="ko-KR" altLang="en-US" sz="1000" dirty="0" smtClean="0">
+                <a:solidFill>
+                  <a:schemeClr val="bg1">
+                    <a:lumMod val="50000"/>
+                  </a:schemeClr>
+                </a:solidFill>
+                <a:latin typeface="G마켓 산스 TTF Bold" panose="02000000000000000000" pitchFamily="2" charset="-127"/>
+                <a:ea typeface="G마켓 산스 TTF Bold" panose="02000000000000000000" pitchFamily="2" charset="-127"/>
+              </a:rPr>
+              <a:t>  </a:t>
+            </a:r>
+            <a:r>
+              <a:rPr lang="ko-KR" altLang="en-US" sz="1000" dirty="0" err="1" smtClean="0">
+                <a:solidFill>
+                  <a:schemeClr val="bg1">
+                    <a:lumMod val="50000"/>
+                  </a:schemeClr>
+                </a:solidFill>
+                <a:latin typeface="G마켓 산스 TTF Bold" panose="02000000000000000000" pitchFamily="2" charset="-127"/>
+                <a:ea typeface="G마켓 산스 TTF Bold" panose="02000000000000000000" pitchFamily="2" charset="-127"/>
+              </a:rPr>
+              <a:t>렉</a:t>
+            </a:r>
+            <a:r>
+              <a:rPr lang="ko-KR" altLang="en-US" sz="1000" dirty="0" smtClean="0">
+                <a:solidFill>
+                  <a:schemeClr val="bg1">
+                    <a:lumMod val="50000"/>
+                  </a:schemeClr>
+                </a:solidFill>
+                <a:latin typeface="G마켓 산스 TTF Bold" panose="02000000000000000000" pitchFamily="2" charset="-127"/>
+                <a:ea typeface="G마켓 산스 TTF Bold" panose="02000000000000000000" pitchFamily="2" charset="-127"/>
+              </a:rPr>
+              <a:t> 도입 및 </a:t>
+            </a:r>
+            <a:r>
+              <a:rPr lang="en-US" altLang="ko-KR" sz="1000" dirty="0" smtClean="0">
+                <a:solidFill>
+                  <a:schemeClr val="bg1">
+                    <a:lumMod val="50000"/>
+                  </a:schemeClr>
+                </a:solidFill>
+                <a:latin typeface="G마켓 산스 TTF Bold" panose="02000000000000000000" pitchFamily="2" charset="-127"/>
+                <a:ea typeface="G마켓 산스 TTF Bold" panose="02000000000000000000" pitchFamily="2" charset="-127"/>
+              </a:rPr>
+              <a:t>3,000</a:t>
+            </a:r>
+            <a:r>
+              <a:rPr lang="ko-KR" altLang="en-US" sz="1000" dirty="0" smtClean="0">
+                <a:solidFill>
+                  <a:schemeClr val="bg1">
+                    <a:lumMod val="50000"/>
+                  </a:schemeClr>
+                </a:solidFill>
+                <a:latin typeface="G마켓 산스 TTF Bold" panose="02000000000000000000" pitchFamily="2" charset="-127"/>
+                <a:ea typeface="G마켓 산스 TTF Bold" panose="02000000000000000000" pitchFamily="2" charset="-127"/>
+              </a:rPr>
+              <a:t>평 </a:t>
+            </a:r>
+            <a:r>
+              <a:rPr lang="ko-KR" altLang="en-US" sz="1000" dirty="0" err="1" smtClean="0">
+                <a:solidFill>
+                  <a:schemeClr val="bg1">
+                    <a:lumMod val="50000"/>
+                  </a:schemeClr>
+                </a:solidFill>
+                <a:latin typeface="G마켓 산스 TTF Bold" panose="02000000000000000000" pitchFamily="2" charset="-127"/>
+                <a:ea typeface="G마켓 산스 TTF Bold" panose="02000000000000000000" pitchFamily="2" charset="-127"/>
+              </a:rPr>
+              <a:t>감평</a:t>
+            </a:r>
+            <a:endParaRPr lang="en-US" altLang="ko-KR" sz="1000" dirty="0" smtClean="0">
+              <a:solidFill>
+                <a:schemeClr val="bg1">
+                  <a:lumMod val="50000"/>
+                </a:schemeClr>
+              </a:solidFill>
+              <a:latin typeface="G마켓 산스 TTF Bold" panose="02000000000000000000" pitchFamily="2" charset="-127"/>
+              <a:ea typeface="G마켓 산스 TTF Bold" panose="02000000000000000000" pitchFamily="2" charset="-127"/>
+            </a:endParaRPr>
+          </a:p>
+          <a:p>
+            <a:pPr marL="171450" indent="-171450">
+              <a:buFontTx/>
+              <a:buChar char="-"/>
+            </a:pPr>
+            <a:r>
+              <a:rPr lang="ko-KR" altLang="en-US" sz="1000" dirty="0" err="1" smtClean="0">
+                <a:solidFill>
+                  <a:schemeClr val="bg1">
+                    <a:lumMod val="50000"/>
+                  </a:schemeClr>
+                </a:solidFill>
+                <a:latin typeface="G마켓 산스 TTF Bold" panose="02000000000000000000" pitchFamily="2" charset="-127"/>
+                <a:ea typeface="G마켓 산스 TTF Bold" panose="02000000000000000000" pitchFamily="2" charset="-127"/>
+              </a:rPr>
+              <a:t>도급사</a:t>
+            </a:r>
+            <a:r>
+              <a:rPr lang="ko-KR" altLang="en-US" sz="1000" dirty="0" smtClean="0">
+                <a:solidFill>
+                  <a:schemeClr val="bg1">
+                    <a:lumMod val="50000"/>
+                  </a:schemeClr>
+                </a:solidFill>
+                <a:latin typeface="G마켓 산스 TTF Bold" panose="02000000000000000000" pitchFamily="2" charset="-127"/>
+                <a:ea typeface="G마켓 산스 TTF Bold" panose="02000000000000000000" pitchFamily="2" charset="-127"/>
+              </a:rPr>
+              <a:t> 인원 관리</a:t>
+            </a:r>
+            <a:r>
+              <a:rPr lang="en-US" altLang="ko-KR" sz="1000" dirty="0" smtClean="0">
+                <a:solidFill>
+                  <a:schemeClr val="bg1">
+                    <a:lumMod val="50000"/>
+                  </a:schemeClr>
+                </a:solidFill>
+                <a:latin typeface="G마켓 산스 TTF Bold" panose="02000000000000000000" pitchFamily="2" charset="-127"/>
+                <a:ea typeface="G마켓 산스 TTF Bold" panose="02000000000000000000" pitchFamily="2" charset="-127"/>
+              </a:rPr>
+              <a:t>, </a:t>
+            </a:r>
+            <a:r>
+              <a:rPr lang="ko-KR" altLang="en-US" sz="1000" dirty="0" err="1" smtClean="0">
+                <a:solidFill>
+                  <a:schemeClr val="bg1">
+                    <a:lumMod val="50000"/>
+                  </a:schemeClr>
+                </a:solidFill>
+                <a:latin typeface="G마켓 산스 TTF Bold" panose="02000000000000000000" pitchFamily="2" charset="-127"/>
+                <a:ea typeface="G마켓 산스 TTF Bold" panose="02000000000000000000" pitchFamily="2" charset="-127"/>
+              </a:rPr>
+              <a:t>고객사</a:t>
+            </a:r>
+            <a:r>
+              <a:rPr lang="ko-KR" altLang="en-US" sz="1000" dirty="0" smtClean="0">
+                <a:solidFill>
+                  <a:schemeClr val="bg1">
+                    <a:lumMod val="50000"/>
+                  </a:schemeClr>
+                </a:solidFill>
+                <a:latin typeface="G마켓 산스 TTF Bold" panose="02000000000000000000" pitchFamily="2" charset="-127"/>
+                <a:ea typeface="G마켓 산스 TTF Bold" panose="02000000000000000000" pitchFamily="2" charset="-127"/>
+              </a:rPr>
+              <a:t> 관리</a:t>
+            </a:r>
+            <a:endParaRPr lang="en-US" altLang="ko-KR" sz="1000" dirty="0">
+              <a:solidFill>
+                <a:schemeClr val="bg1">
+                  <a:lumMod val="50000"/>
+                </a:schemeClr>
+              </a:solidFill>
+              <a:latin typeface="G마켓 산스 TTF Bold" panose="02000000000000000000" pitchFamily="2" charset="-127"/>
+              <a:ea typeface="G마켓 산스 TTF Bold" panose="02000000000000000000" pitchFamily="2" charset="-127"/>
+            </a:endParaRPr>
+          </a:p>
+          <a:p>
+            <a:endParaRPr lang="en-US" altLang="ko-KR" sz="1000" dirty="0" smtClean="0">
+              <a:solidFill>
+                <a:schemeClr val="bg1">
+                  <a:lumMod val="50000"/>
+                </a:schemeClr>
+              </a:solidFill>
+              <a:latin typeface="G마켓 산스 TTF Bold" panose="02000000000000000000" pitchFamily="2" charset="-127"/>
+              <a:ea typeface="G마켓 산스 TTF Bold" panose="02000000000000000000" pitchFamily="2" charset="-127"/>
+            </a:endParaRPr>
+          </a:p>
+        </p:txBody>
+      </p:sp>
+      <p:sp>
+        <p:nvSpPr>
+          <p:cNvPr id="21" name="TextBox 20"/>
+          <p:cNvSpPr txBox="1"/>
+          <p:nvPr/>
+        </p:nvSpPr>
+        <p:spPr>
+          <a:xfrm>
+            <a:off x="660400" y="7786533"/>
+            <a:ext cx="1124856" cy="276999"/>
+          </a:xfrm>
+          <a:prstGeom prst="rect">
+            <a:avLst/>
+          </a:prstGeom>
+          <a:noFill/>
+        </p:spPr>
+        <p:txBody>
+          <a:bodyPr wrap="square" rtlCol="0">
+            <a:spAutoFit/>
+          </a:bodyPr>
+          <a:lstStyle/>
+          <a:p>
+            <a:r>
+              <a:rPr lang="en-US" altLang="ko-KR" sz="1200" dirty="0" err="1" smtClean="0">
+                <a:latin typeface="G마켓 산스 TTF Bold" panose="02000000000000000000" pitchFamily="2" charset="-127"/>
+                <a:ea typeface="G마켓 산스 TTF Bold" panose="02000000000000000000" pitchFamily="2" charset="-127"/>
+              </a:rPr>
+              <a:t>BackEnd</a:t>
+            </a:r>
+            <a:endParaRPr lang="en-US" altLang="ko-KR" sz="1200" dirty="0" smtClean="0">
+              <a:latin typeface="G마켓 산스 TTF Bold" panose="02000000000000000000" pitchFamily="2" charset="-127"/>
+              <a:ea typeface="G마켓 산스 TTF Bold" panose="02000000000000000000" pitchFamily="2" charset="-127"/>
+            </a:endParaRPr>
+          </a:p>
+        </p:txBody>
+      </p:sp>
+      <p:sp>
+        <p:nvSpPr>
+          <p:cNvPr id="22" name="TextBox 21"/>
+          <p:cNvSpPr txBox="1"/>
+          <p:nvPr/>
+        </p:nvSpPr>
+        <p:spPr>
+          <a:xfrm>
+            <a:off x="2793547" y="7794267"/>
+            <a:ext cx="1124856" cy="276999"/>
+          </a:xfrm>
+          <a:prstGeom prst="rect">
+            <a:avLst/>
+          </a:prstGeom>
+          <a:noFill/>
+        </p:spPr>
+        <p:txBody>
+          <a:bodyPr wrap="square" rtlCol="0">
+            <a:spAutoFit/>
+          </a:bodyPr>
+          <a:lstStyle/>
+          <a:p>
+            <a:r>
+              <a:rPr lang="en-US" altLang="ko-KR" sz="1200" dirty="0" err="1" smtClean="0">
+                <a:latin typeface="G마켓 산스 TTF Bold" panose="02000000000000000000" pitchFamily="2" charset="-127"/>
+                <a:ea typeface="G마켓 산스 TTF Bold" panose="02000000000000000000" pitchFamily="2" charset="-127"/>
+              </a:rPr>
+              <a:t>FrontEnd</a:t>
+            </a:r>
+            <a:endParaRPr lang="en-US" altLang="ko-KR" sz="1200" dirty="0" smtClean="0">
+              <a:latin typeface="G마켓 산스 TTF Bold" panose="02000000000000000000" pitchFamily="2" charset="-127"/>
+              <a:ea typeface="G마켓 산스 TTF Bold" panose="02000000000000000000" pitchFamily="2" charset="-127"/>
+            </a:endParaRPr>
+          </a:p>
+        </p:txBody>
+      </p:sp>
+      <p:sp>
+        <p:nvSpPr>
+          <p:cNvPr id="23" name="TextBox 22"/>
+          <p:cNvSpPr txBox="1"/>
+          <p:nvPr/>
+        </p:nvSpPr>
+        <p:spPr>
+          <a:xfrm>
+            <a:off x="4502149" y="7777455"/>
+            <a:ext cx="1484086" cy="276999"/>
+          </a:xfrm>
+          <a:prstGeom prst="rect">
+            <a:avLst/>
+          </a:prstGeom>
+          <a:noFill/>
+        </p:spPr>
+        <p:txBody>
+          <a:bodyPr wrap="square" rtlCol="0">
+            <a:spAutoFit/>
+          </a:bodyPr>
+          <a:lstStyle/>
+          <a:p>
+            <a:r>
+              <a:rPr lang="en-US" altLang="ko-KR" sz="1200" dirty="0" smtClean="0">
+                <a:latin typeface="G마켓 산스 TTF Bold" panose="02000000000000000000" pitchFamily="2" charset="-127"/>
+                <a:ea typeface="G마켓 산스 TTF Bold" panose="02000000000000000000" pitchFamily="2" charset="-127"/>
+              </a:rPr>
+              <a:t>Database</a:t>
+            </a:r>
+          </a:p>
+        </p:txBody>
+      </p:sp>
+      <p:cxnSp>
+        <p:nvCxnSpPr>
+          <p:cNvPr id="24" name="직선 연결선 23"/>
+          <p:cNvCxnSpPr/>
+          <p:nvPr/>
+        </p:nvCxnSpPr>
+        <p:spPr>
+          <a:xfrm>
+            <a:off x="2253342" y="8063532"/>
+            <a:ext cx="0" cy="1366218"/>
+          </a:xfrm>
+          <a:prstGeom prst="line">
+            <a:avLst/>
+          </a:prstGeom>
+          <a:ln w="25400">
+            <a:solidFill>
+              <a:schemeClr val="bg1">
+                <a:lumMod val="85000"/>
+              </a:schemeClr>
+            </a:solidFill>
+          </a:ln>
+        </p:spPr>
+        <p:style>
+          <a:lnRef idx="1">
+            <a:schemeClr val="accent1"/>
+          </a:lnRef>
+          <a:fillRef idx="0">
+            <a:schemeClr val="accent1"/>
+          </a:fillRef>
+          <a:effectRef idx="0">
+            <a:schemeClr val="accent1"/>
+          </a:effectRef>
+          <a:fontRef idx="minor">
+            <a:schemeClr val="tx1"/>
+          </a:fontRef>
+        </p:style>
+      </p:cxnSp>
+      <p:cxnSp>
+        <p:nvCxnSpPr>
+          <p:cNvPr id="25" name="직선 연결선 24"/>
+          <p:cNvCxnSpPr/>
+          <p:nvPr/>
+        </p:nvCxnSpPr>
+        <p:spPr>
+          <a:xfrm>
+            <a:off x="4354830" y="8063532"/>
+            <a:ext cx="0" cy="1366218"/>
+          </a:xfrm>
+          <a:prstGeom prst="line">
+            <a:avLst/>
+          </a:prstGeom>
+          <a:ln w="25400">
+            <a:solidFill>
+              <a:schemeClr val="bg1">
+                <a:lumMod val="85000"/>
+              </a:schemeClr>
+            </a:solidFill>
+          </a:ln>
+        </p:spPr>
+        <p:style>
+          <a:lnRef idx="1">
+            <a:schemeClr val="accent1"/>
+          </a:lnRef>
+          <a:fillRef idx="0">
+            <a:schemeClr val="accent1"/>
+          </a:fillRef>
+          <a:effectRef idx="0">
+            <a:schemeClr val="accent1"/>
+          </a:effectRef>
+          <a:fontRef idx="minor">
+            <a:schemeClr val="tx1"/>
+          </a:fontRef>
+        </p:style>
+      </p:cxnSp>
     </p:spTree>
     <p:extLst>
       <p:ext uri="{BB962C8B-B14F-4D97-AF65-F5344CB8AC3E}">
@@ -4215,7 +5389,7 @@
   <a:extraClrSchemeLst/>
   <a:extLst>
     <a:ext uri="{05A4C25C-085E-4340-85A3-A5531E510DB2}">
-      <thm15:themeFamily xmlns:thm15="http://schemas.microsoft.com/office/thememl/2012/main" name="Office Theme" id="{62F939B6-93AF-4DB8-9C6B-D6C7DFDC589F}" vid="{4A3C46E8-61CC-4603-A589-7422A47A8E4A}"/>
+      <thm15:themeFamily xmlns:thm15="http://schemas.microsoft.com/office/thememl/2012/main" xmlns="" name="Office Theme" id="{62F939B6-93AF-4DB8-9C6B-D6C7DFDC589F}" vid="{4A3C46E8-61CC-4603-A589-7422A47A8E4A}"/>
     </a:ext>
   </a:extLst>
 </a:theme>
